--- a/_Projeto-Estagio_/Projeto/Documentação/Projeto.pptx
+++ b/_Projeto-Estagio_/Projeto/Documentação/Projeto.pptx
@@ -7,9 +7,9 @@
   <p:sldIdLst>
     <p:sldId id="256" r:id="rId2"/>
     <p:sldId id="257" r:id="rId3"/>
-    <p:sldId id="262" r:id="rId4"/>
-    <p:sldId id="258" r:id="rId5"/>
-    <p:sldId id="259" r:id="rId6"/>
+    <p:sldId id="258" r:id="rId4"/>
+    <p:sldId id="259" r:id="rId5"/>
+    <p:sldId id="262" r:id="rId6"/>
     <p:sldId id="263" r:id="rId7"/>
     <p:sldId id="264" r:id="rId8"/>
     <p:sldId id="260" r:id="rId9"/>
@@ -170,7 +170,7 @@
           <a:noFill/>
           <a:extLst>
             <a:ext uri="{909E8E84-426E-40dd-AFC4-6F175D3DCCD1}">
-              <a14:hiddenFill xmlns="" xmlns:a14="http://schemas.microsoft.com/office/drawing/2010/main">
+              <a14:hiddenFill xmlns:a14="http://schemas.microsoft.com/office/drawing/2010/main" xmlns="">
                 <a:solidFill>
                   <a:srgbClr val="FFFFFF"/>
                 </a:solidFill>
@@ -230,7 +230,7 @@
             </a:ln>
             <a:extLst>
               <a:ext uri="{91240B29-F687-4f45-9708-019B960494DF}">
-                <a14:hiddenLine xmlns="" xmlns:a14="http://schemas.microsoft.com/office/drawing/2010/main" w="9525">
+                <a14:hiddenLine xmlns:a14="http://schemas.microsoft.com/office/drawing/2010/main" xmlns="" w="9525">
                   <a:solidFill>
                     <a:srgbClr val="000000"/>
                   </a:solidFill>
@@ -320,7 +320,7 @@
             </a:ln>
             <a:extLst>
               <a:ext uri="{91240B29-F687-4f45-9708-019B960494DF}">
-                <a14:hiddenLine xmlns="" xmlns:a14="http://schemas.microsoft.com/office/drawing/2010/main" w="9525">
+                <a14:hiddenLine xmlns:a14="http://schemas.microsoft.com/office/drawing/2010/main" xmlns="" w="9525">
                   <a:solidFill>
                     <a:srgbClr val="000000"/>
                   </a:solidFill>
@@ -410,7 +410,7 @@
             </a:ln>
             <a:extLst>
               <a:ext uri="{91240B29-F687-4f45-9708-019B960494DF}">
-                <a14:hiddenLine xmlns="" xmlns:a14="http://schemas.microsoft.com/office/drawing/2010/main" w="9525">
+                <a14:hiddenLine xmlns:a14="http://schemas.microsoft.com/office/drawing/2010/main" xmlns="" w="9525">
                   <a:solidFill>
                     <a:srgbClr val="000000"/>
                   </a:solidFill>
@@ -444,7 +444,7 @@
             </a:ln>
             <a:extLst>
               <a:ext uri="{91240B29-F687-4f45-9708-019B960494DF}">
-                <a14:hiddenLine xmlns="" xmlns:a14="http://schemas.microsoft.com/office/drawing/2010/main" w="9525">
+                <a14:hiddenLine xmlns:a14="http://schemas.microsoft.com/office/drawing/2010/main" xmlns="" w="9525">
                   <a:solidFill>
                     <a:srgbClr val="000000"/>
                   </a:solidFill>
@@ -534,7 +534,7 @@
             </a:ln>
             <a:extLst>
               <a:ext uri="{91240B29-F687-4f45-9708-019B960494DF}">
-                <a14:hiddenLine xmlns="" xmlns:a14="http://schemas.microsoft.com/office/drawing/2010/main" w="9525">
+                <a14:hiddenLine xmlns:a14="http://schemas.microsoft.com/office/drawing/2010/main" xmlns="" w="9525">
                   <a:solidFill>
                     <a:srgbClr val="000000"/>
                   </a:solidFill>
@@ -596,7 +596,7 @@
             </a:ln>
             <a:extLst>
               <a:ext uri="{91240B29-F687-4f45-9708-019B960494DF}">
-                <a14:hiddenLine xmlns="" xmlns:a14="http://schemas.microsoft.com/office/drawing/2010/main" w="9525">
+                <a14:hiddenLine xmlns:a14="http://schemas.microsoft.com/office/drawing/2010/main" xmlns="" w="9525">
                   <a:solidFill>
                     <a:srgbClr val="000000"/>
                   </a:solidFill>
@@ -658,7 +658,7 @@
             </a:ln>
             <a:extLst>
               <a:ext uri="{91240B29-F687-4f45-9708-019B960494DF}">
-                <a14:hiddenLine xmlns="" xmlns:a14="http://schemas.microsoft.com/office/drawing/2010/main" w="9525">
+                <a14:hiddenLine xmlns:a14="http://schemas.microsoft.com/office/drawing/2010/main" xmlns="" w="9525">
                   <a:solidFill>
                     <a:srgbClr val="000000"/>
                   </a:solidFill>
@@ -748,7 +748,7 @@
             </a:ln>
             <a:extLst>
               <a:ext uri="{91240B29-F687-4f45-9708-019B960494DF}">
-                <a14:hiddenLine xmlns="" xmlns:a14="http://schemas.microsoft.com/office/drawing/2010/main" w="9525">
+                <a14:hiddenLine xmlns:a14="http://schemas.microsoft.com/office/drawing/2010/main" xmlns="" w="9525">
                   <a:solidFill>
                     <a:srgbClr val="000000"/>
                   </a:solidFill>
@@ -810,7 +810,7 @@
             </a:ln>
             <a:extLst>
               <a:ext uri="{91240B29-F687-4f45-9708-019B960494DF}">
-                <a14:hiddenLine xmlns="" xmlns:a14="http://schemas.microsoft.com/office/drawing/2010/main" w="9525">
+                <a14:hiddenLine xmlns:a14="http://schemas.microsoft.com/office/drawing/2010/main" xmlns="" w="9525">
                   <a:solidFill>
                     <a:srgbClr val="000000"/>
                   </a:solidFill>
@@ -872,7 +872,7 @@
             </a:ln>
             <a:extLst>
               <a:ext uri="{91240B29-F687-4f45-9708-019B960494DF}">
-                <a14:hiddenLine xmlns="" xmlns:a14="http://schemas.microsoft.com/office/drawing/2010/main" w="9525">
+                <a14:hiddenLine xmlns:a14="http://schemas.microsoft.com/office/drawing/2010/main" xmlns="" w="9525">
                   <a:solidFill>
                     <a:srgbClr val="000000"/>
                   </a:solidFill>
@@ -962,7 +962,7 @@
             </a:ln>
             <a:extLst>
               <a:ext uri="{91240B29-F687-4f45-9708-019B960494DF}">
-                <a14:hiddenLine xmlns="" xmlns:a14="http://schemas.microsoft.com/office/drawing/2010/main" w="9525">
+                <a14:hiddenLine xmlns:a14="http://schemas.microsoft.com/office/drawing/2010/main" xmlns="" w="9525">
                   <a:solidFill>
                     <a:srgbClr val="000000"/>
                   </a:solidFill>
@@ -1052,7 +1052,7 @@
             </a:ln>
             <a:extLst>
               <a:ext uri="{91240B29-F687-4f45-9708-019B960494DF}">
-                <a14:hiddenLine xmlns="" xmlns:a14="http://schemas.microsoft.com/office/drawing/2010/main" w="9525">
+                <a14:hiddenLine xmlns:a14="http://schemas.microsoft.com/office/drawing/2010/main" xmlns="" w="9525">
                   <a:solidFill>
                     <a:srgbClr val="000000"/>
                   </a:solidFill>
@@ -1114,7 +1114,7 @@
             </a:ln>
             <a:extLst>
               <a:ext uri="{91240B29-F687-4f45-9708-019B960494DF}">
-                <a14:hiddenLine xmlns="" xmlns:a14="http://schemas.microsoft.com/office/drawing/2010/main" w="9525">
+                <a14:hiddenLine xmlns:a14="http://schemas.microsoft.com/office/drawing/2010/main" xmlns="" w="9525">
                   <a:solidFill>
                     <a:srgbClr val="000000"/>
                   </a:solidFill>
@@ -1224,7 +1224,7 @@
             </a:ln>
             <a:extLst>
               <a:ext uri="{91240B29-F687-4f45-9708-019B960494DF}">
-                <a14:hiddenLine xmlns="" xmlns:a14="http://schemas.microsoft.com/office/drawing/2010/main" w="9525">
+                <a14:hiddenLine xmlns:a14="http://schemas.microsoft.com/office/drawing/2010/main" xmlns="" w="9525">
                   <a:solidFill>
                     <a:srgbClr val="000000"/>
                   </a:solidFill>
@@ -1286,7 +1286,7 @@
             </a:ln>
             <a:extLst>
               <a:ext uri="{91240B29-F687-4f45-9708-019B960494DF}">
-                <a14:hiddenLine xmlns="" xmlns:a14="http://schemas.microsoft.com/office/drawing/2010/main" w="9525">
+                <a14:hiddenLine xmlns:a14="http://schemas.microsoft.com/office/drawing/2010/main" xmlns="" w="9525">
                   <a:solidFill>
                     <a:srgbClr val="000000"/>
                   </a:solidFill>
@@ -1376,7 +1376,7 @@
             </a:ln>
             <a:extLst>
               <a:ext uri="{91240B29-F687-4f45-9708-019B960494DF}">
-                <a14:hiddenLine xmlns="" xmlns:a14="http://schemas.microsoft.com/office/drawing/2010/main" w="9525">
+                <a14:hiddenLine xmlns:a14="http://schemas.microsoft.com/office/drawing/2010/main" xmlns="" w="9525">
                   <a:solidFill>
                     <a:srgbClr val="000000"/>
                   </a:solidFill>
@@ -1466,7 +1466,7 @@
             </a:ln>
             <a:extLst>
               <a:ext uri="{91240B29-F687-4f45-9708-019B960494DF}">
-                <a14:hiddenLine xmlns="" xmlns:a14="http://schemas.microsoft.com/office/drawing/2010/main" w="9525">
+                <a14:hiddenLine xmlns:a14="http://schemas.microsoft.com/office/drawing/2010/main" xmlns="" w="9525">
                   <a:solidFill>
                     <a:srgbClr val="000000"/>
                   </a:solidFill>
@@ -1528,7 +1528,7 @@
             </a:ln>
             <a:extLst>
               <a:ext uri="{91240B29-F687-4f45-9708-019B960494DF}">
-                <a14:hiddenLine xmlns="" xmlns:a14="http://schemas.microsoft.com/office/drawing/2010/main" w="9525">
+                <a14:hiddenLine xmlns:a14="http://schemas.microsoft.com/office/drawing/2010/main" xmlns="" w="9525">
                   <a:solidFill>
                     <a:srgbClr val="000000"/>
                   </a:solidFill>
@@ -1618,7 +1618,7 @@
             </a:ln>
             <a:extLst>
               <a:ext uri="{91240B29-F687-4f45-9708-019B960494DF}">
-                <a14:hiddenLine xmlns="" xmlns:a14="http://schemas.microsoft.com/office/drawing/2010/main" w="9525">
+                <a14:hiddenLine xmlns:a14="http://schemas.microsoft.com/office/drawing/2010/main" xmlns="" w="9525">
                   <a:solidFill>
                     <a:srgbClr val="000000"/>
                   </a:solidFill>
@@ -1708,7 +1708,7 @@
             </a:ln>
             <a:extLst>
               <a:ext uri="{91240B29-F687-4f45-9708-019B960494DF}">
-                <a14:hiddenLine xmlns="" xmlns:a14="http://schemas.microsoft.com/office/drawing/2010/main" w="9525">
+                <a14:hiddenLine xmlns:a14="http://schemas.microsoft.com/office/drawing/2010/main" xmlns="" w="9525">
                   <a:solidFill>
                     <a:srgbClr val="000000"/>
                   </a:solidFill>
@@ -1764,7 +1764,7 @@
             </a:ln>
             <a:extLst>
               <a:ext uri="{91240B29-F687-4f45-9708-019B960494DF}">
-                <a14:hiddenLine xmlns="" xmlns:a14="http://schemas.microsoft.com/office/drawing/2010/main" w="9525">
+                <a14:hiddenLine xmlns:a14="http://schemas.microsoft.com/office/drawing/2010/main" xmlns="" w="9525">
                   <a:solidFill>
                     <a:srgbClr val="000000"/>
                   </a:solidFill>
@@ -1854,7 +1854,7 @@
             </a:ln>
             <a:extLst>
               <a:ext uri="{91240B29-F687-4f45-9708-019B960494DF}">
-                <a14:hiddenLine xmlns="" xmlns:a14="http://schemas.microsoft.com/office/drawing/2010/main" w="9525">
+                <a14:hiddenLine xmlns:a14="http://schemas.microsoft.com/office/drawing/2010/main" xmlns="" w="9525">
                   <a:solidFill>
                     <a:srgbClr val="000000"/>
                   </a:solidFill>
@@ -1910,7 +1910,7 @@
             </a:ln>
             <a:extLst>
               <a:ext uri="{91240B29-F687-4f45-9708-019B960494DF}">
-                <a14:hiddenLine xmlns="" xmlns:a14="http://schemas.microsoft.com/office/drawing/2010/main" w="9525">
+                <a14:hiddenLine xmlns:a14="http://schemas.microsoft.com/office/drawing/2010/main" xmlns="" w="9525">
                   <a:solidFill>
                     <a:srgbClr val="000000"/>
                   </a:solidFill>
@@ -2000,7 +2000,7 @@
             </a:ln>
             <a:extLst>
               <a:ext uri="{91240B29-F687-4f45-9708-019B960494DF}">
-                <a14:hiddenLine xmlns="" xmlns:a14="http://schemas.microsoft.com/office/drawing/2010/main" w="9525">
+                <a14:hiddenLine xmlns:a14="http://schemas.microsoft.com/office/drawing/2010/main" xmlns="" w="9525">
                   <a:solidFill>
                     <a:srgbClr val="000000"/>
                   </a:solidFill>
@@ -2068,7 +2068,7 @@
             </a:ln>
             <a:extLst>
               <a:ext uri="{91240B29-F687-4f45-9708-019B960494DF}">
-                <a14:hiddenLine xmlns="" xmlns:a14="http://schemas.microsoft.com/office/drawing/2010/main" w="9525">
+                <a14:hiddenLine xmlns:a14="http://schemas.microsoft.com/office/drawing/2010/main" xmlns="" w="9525">
                   <a:solidFill>
                     <a:srgbClr val="000000"/>
                   </a:solidFill>
@@ -2158,7 +2158,7 @@
             </a:ln>
             <a:extLst>
               <a:ext uri="{91240B29-F687-4f45-9708-019B960494DF}">
-                <a14:hiddenLine xmlns="" xmlns:a14="http://schemas.microsoft.com/office/drawing/2010/main" w="9525">
+                <a14:hiddenLine xmlns:a14="http://schemas.microsoft.com/office/drawing/2010/main" xmlns="" w="9525">
                   <a:solidFill>
                     <a:srgbClr val="000000"/>
                   </a:solidFill>
@@ -2226,7 +2226,7 @@
             </a:ln>
             <a:extLst>
               <a:ext uri="{91240B29-F687-4f45-9708-019B960494DF}">
-                <a14:hiddenLine xmlns="" xmlns:a14="http://schemas.microsoft.com/office/drawing/2010/main" w="9525">
+                <a14:hiddenLine xmlns:a14="http://schemas.microsoft.com/office/drawing/2010/main" xmlns="" w="9525">
                   <a:solidFill>
                     <a:srgbClr val="000000"/>
                   </a:solidFill>
@@ -2316,7 +2316,7 @@
             </a:ln>
             <a:extLst>
               <a:ext uri="{91240B29-F687-4f45-9708-019B960494DF}">
-                <a14:hiddenLine xmlns="" xmlns:a14="http://schemas.microsoft.com/office/drawing/2010/main" w="9525">
+                <a14:hiddenLine xmlns:a14="http://schemas.microsoft.com/office/drawing/2010/main" xmlns="" w="9525">
                   <a:solidFill>
                     <a:srgbClr val="000000"/>
                   </a:solidFill>
@@ -2350,7 +2350,7 @@
             </a:ln>
             <a:extLst>
               <a:ext uri="{91240B29-F687-4f45-9708-019B960494DF}">
-                <a14:hiddenLine xmlns="" xmlns:a14="http://schemas.microsoft.com/office/drawing/2010/main" w="9525">
+                <a14:hiddenLine xmlns:a14="http://schemas.microsoft.com/office/drawing/2010/main" xmlns="" w="9525">
                   <a:solidFill>
                     <a:srgbClr val="000000"/>
                   </a:solidFill>
@@ -2440,7 +2440,7 @@
             </a:ln>
             <a:extLst>
               <a:ext uri="{91240B29-F687-4f45-9708-019B960494DF}">
-                <a14:hiddenLine xmlns="" xmlns:a14="http://schemas.microsoft.com/office/drawing/2010/main" w="9525">
+                <a14:hiddenLine xmlns:a14="http://schemas.microsoft.com/office/drawing/2010/main" xmlns="" w="9525">
                   <a:solidFill>
                     <a:srgbClr val="000000"/>
                   </a:solidFill>
@@ -2502,7 +2502,7 @@
             </a:ln>
             <a:extLst>
               <a:ext uri="{91240B29-F687-4f45-9708-019B960494DF}">
-                <a14:hiddenLine xmlns="" xmlns:a14="http://schemas.microsoft.com/office/drawing/2010/main" w="9525">
+                <a14:hiddenLine xmlns:a14="http://schemas.microsoft.com/office/drawing/2010/main" xmlns="" w="9525">
                   <a:solidFill>
                     <a:srgbClr val="000000"/>
                   </a:solidFill>
@@ -2564,7 +2564,7 @@
             </a:ln>
             <a:extLst>
               <a:ext uri="{91240B29-F687-4f45-9708-019B960494DF}">
-                <a14:hiddenLine xmlns="" xmlns:a14="http://schemas.microsoft.com/office/drawing/2010/main" w="9525">
+                <a14:hiddenLine xmlns:a14="http://schemas.microsoft.com/office/drawing/2010/main" xmlns="" w="9525">
                   <a:solidFill>
                     <a:srgbClr val="000000"/>
                   </a:solidFill>
@@ -2654,7 +2654,7 @@
             </a:ln>
             <a:extLst>
               <a:ext uri="{91240B29-F687-4f45-9708-019B960494DF}">
-                <a14:hiddenLine xmlns="" xmlns:a14="http://schemas.microsoft.com/office/drawing/2010/main" w="9525">
+                <a14:hiddenLine xmlns:a14="http://schemas.microsoft.com/office/drawing/2010/main" xmlns="" w="9525">
                   <a:solidFill>
                     <a:srgbClr val="000000"/>
                   </a:solidFill>
@@ -2722,7 +2722,7 @@
             </a:ln>
             <a:extLst>
               <a:ext uri="{91240B29-F687-4f45-9708-019B960494DF}">
-                <a14:hiddenLine xmlns="" xmlns:a14="http://schemas.microsoft.com/office/drawing/2010/main" w="9525">
+                <a14:hiddenLine xmlns:a14="http://schemas.microsoft.com/office/drawing/2010/main" xmlns="" w="9525">
                   <a:solidFill>
                     <a:srgbClr val="000000"/>
                   </a:solidFill>
@@ -2784,7 +2784,7 @@
             </a:ln>
             <a:extLst>
               <a:ext uri="{91240B29-F687-4f45-9708-019B960494DF}">
-                <a14:hiddenLine xmlns="" xmlns:a14="http://schemas.microsoft.com/office/drawing/2010/main" w="9525">
+                <a14:hiddenLine xmlns:a14="http://schemas.microsoft.com/office/drawing/2010/main" xmlns="" w="9525">
                   <a:solidFill>
                     <a:srgbClr val="000000"/>
                   </a:solidFill>
@@ -2874,7 +2874,7 @@
             </a:ln>
             <a:extLst>
               <a:ext uri="{91240B29-F687-4f45-9708-019B960494DF}">
-                <a14:hiddenLine xmlns="" xmlns:a14="http://schemas.microsoft.com/office/drawing/2010/main" w="9525">
+                <a14:hiddenLine xmlns:a14="http://schemas.microsoft.com/office/drawing/2010/main" xmlns="" w="9525">
                   <a:solidFill>
                     <a:srgbClr val="000000"/>
                   </a:solidFill>
@@ -2936,7 +2936,7 @@
             </a:ln>
             <a:extLst>
               <a:ext uri="{91240B29-F687-4f45-9708-019B960494DF}">
-                <a14:hiddenLine xmlns="" xmlns:a14="http://schemas.microsoft.com/office/drawing/2010/main" w="9525">
+                <a14:hiddenLine xmlns:a14="http://schemas.microsoft.com/office/drawing/2010/main" xmlns="" w="9525">
                   <a:solidFill>
                     <a:srgbClr val="000000"/>
                   </a:solidFill>
@@ -3026,7 +3026,7 @@
             </a:ln>
             <a:extLst>
               <a:ext uri="{91240B29-F687-4f45-9708-019B960494DF}">
-                <a14:hiddenLine xmlns="" xmlns:a14="http://schemas.microsoft.com/office/drawing/2010/main" w="9525">
+                <a14:hiddenLine xmlns:a14="http://schemas.microsoft.com/office/drawing/2010/main" xmlns="" w="9525">
                   <a:solidFill>
                     <a:srgbClr val="000000"/>
                   </a:solidFill>
@@ -3088,7 +3088,7 @@
             </a:ln>
             <a:extLst>
               <a:ext uri="{91240B29-F687-4f45-9708-019B960494DF}">
-                <a14:hiddenLine xmlns="" xmlns:a14="http://schemas.microsoft.com/office/drawing/2010/main" w="9525">
+                <a14:hiddenLine xmlns:a14="http://schemas.microsoft.com/office/drawing/2010/main" xmlns="" w="9525">
                   <a:solidFill>
                     <a:srgbClr val="000000"/>
                   </a:solidFill>
@@ -3178,7 +3178,7 @@
             </a:ln>
             <a:extLst>
               <a:ext uri="{91240B29-F687-4f45-9708-019B960494DF}">
-                <a14:hiddenLine xmlns="" xmlns:a14="http://schemas.microsoft.com/office/drawing/2010/main" w="9525">
+                <a14:hiddenLine xmlns:a14="http://schemas.microsoft.com/office/drawing/2010/main" xmlns="" w="9525">
                   <a:solidFill>
                     <a:srgbClr val="000000"/>
                   </a:solidFill>
@@ -3212,7 +3212,7 @@
             </a:ln>
             <a:extLst>
               <a:ext uri="{91240B29-F687-4f45-9708-019B960494DF}">
-                <a14:hiddenLine xmlns="" xmlns:a14="http://schemas.microsoft.com/office/drawing/2010/main" w="9525">
+                <a14:hiddenLine xmlns:a14="http://schemas.microsoft.com/office/drawing/2010/main" xmlns="" w="9525">
                   <a:solidFill>
                     <a:srgbClr val="000000"/>
                   </a:solidFill>
@@ -3277,7 +3277,7 @@
             </a:ln>
             <a:extLst>
               <a:ext uri="{91240B29-F687-4f45-9708-019B960494DF}">
-                <a14:hiddenLine xmlns="" xmlns:a14="http://schemas.microsoft.com/office/drawing/2010/main" w="9525">
+                <a14:hiddenLine xmlns:a14="http://schemas.microsoft.com/office/drawing/2010/main" xmlns="" w="9525">
                   <a:solidFill>
                     <a:srgbClr val="000000"/>
                   </a:solidFill>
@@ -3367,7 +3367,7 @@
             </a:ln>
             <a:extLst>
               <a:ext uri="{91240B29-F687-4f45-9708-019B960494DF}">
-                <a14:hiddenLine xmlns="" xmlns:a14="http://schemas.microsoft.com/office/drawing/2010/main" w="9525">
+                <a14:hiddenLine xmlns:a14="http://schemas.microsoft.com/office/drawing/2010/main" xmlns="" w="9525">
                   <a:solidFill>
                     <a:srgbClr val="000000"/>
                   </a:solidFill>
@@ -3429,7 +3429,7 @@
             </a:ln>
             <a:extLst>
               <a:ext uri="{91240B29-F687-4f45-9708-019B960494DF}">
-                <a14:hiddenLine xmlns="" xmlns:a14="http://schemas.microsoft.com/office/drawing/2010/main" w="9525">
+                <a14:hiddenLine xmlns:a14="http://schemas.microsoft.com/office/drawing/2010/main" xmlns="" w="9525">
                   <a:solidFill>
                     <a:srgbClr val="000000"/>
                   </a:solidFill>
@@ -3519,7 +3519,7 @@
             </a:ln>
             <a:extLst>
               <a:ext uri="{91240B29-F687-4f45-9708-019B960494DF}">
-                <a14:hiddenLine xmlns="" xmlns:a14="http://schemas.microsoft.com/office/drawing/2010/main" w="9525">
+                <a14:hiddenLine xmlns:a14="http://schemas.microsoft.com/office/drawing/2010/main" xmlns="" w="9525">
                   <a:solidFill>
                     <a:srgbClr val="000000"/>
                   </a:solidFill>
@@ -3609,7 +3609,7 @@
             </a:ln>
             <a:extLst>
               <a:ext uri="{91240B29-F687-4f45-9708-019B960494DF}">
-                <a14:hiddenLine xmlns="" xmlns:a14="http://schemas.microsoft.com/office/drawing/2010/main" w="9525">
+                <a14:hiddenLine xmlns:a14="http://schemas.microsoft.com/office/drawing/2010/main" xmlns="" w="9525">
                   <a:solidFill>
                     <a:srgbClr val="000000"/>
                   </a:solidFill>
@@ -3674,7 +3674,7 @@
             </a:ln>
             <a:extLst>
               <a:ext uri="{91240B29-F687-4f45-9708-019B960494DF}">
-                <a14:hiddenLine xmlns="" xmlns:a14="http://schemas.microsoft.com/office/drawing/2010/main" w="9525">
+                <a14:hiddenLine xmlns:a14="http://schemas.microsoft.com/office/drawing/2010/main" xmlns="" w="9525">
                   <a:solidFill>
                     <a:srgbClr val="000000"/>
                   </a:solidFill>
@@ -3736,7 +3736,7 @@
             </a:ln>
             <a:extLst>
               <a:ext uri="{91240B29-F687-4f45-9708-019B960494DF}">
-                <a14:hiddenLine xmlns="" xmlns:a14="http://schemas.microsoft.com/office/drawing/2010/main" w="9525">
+                <a14:hiddenLine xmlns:a14="http://schemas.microsoft.com/office/drawing/2010/main" xmlns="" w="9525">
                   <a:solidFill>
                     <a:srgbClr val="000000"/>
                   </a:solidFill>
@@ -3826,7 +3826,7 @@
             </a:ln>
             <a:extLst>
               <a:ext uri="{91240B29-F687-4f45-9708-019B960494DF}">
-                <a14:hiddenLine xmlns="" xmlns:a14="http://schemas.microsoft.com/office/drawing/2010/main" w="9525">
+                <a14:hiddenLine xmlns:a14="http://schemas.microsoft.com/office/drawing/2010/main" xmlns="" w="9525">
                   <a:solidFill>
                     <a:srgbClr val="000000"/>
                   </a:solidFill>
@@ -3916,7 +3916,7 @@
             </a:ln>
             <a:extLst>
               <a:ext uri="{91240B29-F687-4f45-9708-019B960494DF}">
-                <a14:hiddenLine xmlns="" xmlns:a14="http://schemas.microsoft.com/office/drawing/2010/main" w="9525">
+                <a14:hiddenLine xmlns:a14="http://schemas.microsoft.com/office/drawing/2010/main" xmlns="" w="9525">
                   <a:solidFill>
                     <a:srgbClr val="000000"/>
                   </a:solidFill>
@@ -3978,7 +3978,7 @@
             </a:ln>
             <a:extLst>
               <a:ext uri="{91240B29-F687-4f45-9708-019B960494DF}">
-                <a14:hiddenLine xmlns="" xmlns:a14="http://schemas.microsoft.com/office/drawing/2010/main" w="9525">
+                <a14:hiddenLine xmlns:a14="http://schemas.microsoft.com/office/drawing/2010/main" xmlns="" w="9525">
                   <a:solidFill>
                     <a:srgbClr val="000000"/>
                   </a:solidFill>
@@ -4098,7 +4098,7 @@
             </a:ln>
             <a:extLst>
               <a:ext uri="{91240B29-F687-4f45-9708-019B960494DF}">
-                <a14:hiddenLine xmlns="" xmlns:a14="http://schemas.microsoft.com/office/drawing/2010/main" w="9525">
+                <a14:hiddenLine xmlns:a14="http://schemas.microsoft.com/office/drawing/2010/main" xmlns="" w="9525">
                   <a:solidFill>
                     <a:srgbClr val="000000"/>
                   </a:solidFill>
@@ -4166,7 +4166,7 @@
             </a:ln>
             <a:extLst>
               <a:ext uri="{91240B29-F687-4f45-9708-019B960494DF}">
-                <a14:hiddenLine xmlns="" xmlns:a14="http://schemas.microsoft.com/office/drawing/2010/main" w="9525">
+                <a14:hiddenLine xmlns:a14="http://schemas.microsoft.com/office/drawing/2010/main" xmlns="" w="9525">
                   <a:solidFill>
                     <a:srgbClr val="000000"/>
                   </a:solidFill>
@@ -4256,7 +4256,7 @@
             </a:ln>
             <a:extLst>
               <a:ext uri="{91240B29-F687-4f45-9708-019B960494DF}">
-                <a14:hiddenLine xmlns="" xmlns:a14="http://schemas.microsoft.com/office/drawing/2010/main" w="9525">
+                <a14:hiddenLine xmlns:a14="http://schemas.microsoft.com/office/drawing/2010/main" xmlns="" w="9525">
                   <a:solidFill>
                     <a:srgbClr val="000000"/>
                   </a:solidFill>
@@ -4396,7 +4396,7 @@
           <a:p>
             <a:fld id="{783FC08E-0FB3-4AA1-83A0-094D726300BE}" type="datetimeFigureOut">
               <a:rPr lang="pt-BR" smtClean="0"/>
-              <a:t>16/09/2020</a:t>
+              <a:t>18/09/2020</a:t>
             </a:fld>
             <a:endParaRPr lang="pt-BR"/>
           </a:p>
@@ -4663,7 +4663,7 @@
           <a:p>
             <a:fld id="{783FC08E-0FB3-4AA1-83A0-094D726300BE}" type="datetimeFigureOut">
               <a:rPr lang="pt-BR" smtClean="0"/>
-              <a:t>16/09/2020</a:t>
+              <a:t>18/09/2020</a:t>
             </a:fld>
             <a:endParaRPr lang="pt-BR"/>
           </a:p>
@@ -4859,7 +4859,7 @@
           <a:p>
             <a:fld id="{783FC08E-0FB3-4AA1-83A0-094D726300BE}" type="datetimeFigureOut">
               <a:rPr lang="pt-BR" smtClean="0"/>
-              <a:t>16/09/2020</a:t>
+              <a:t>18/09/2020</a:t>
             </a:fld>
             <a:endParaRPr lang="pt-BR"/>
           </a:p>
@@ -5122,7 +5122,7 @@
           <a:p>
             <a:fld id="{783FC08E-0FB3-4AA1-83A0-094D726300BE}" type="datetimeFigureOut">
               <a:rPr lang="pt-BR" smtClean="0"/>
-              <a:t>16/09/2020</a:t>
+              <a:t>18/09/2020</a:t>
             </a:fld>
             <a:endParaRPr lang="pt-BR"/>
           </a:p>
@@ -5556,7 +5556,7 @@
           <a:p>
             <a:fld id="{783FC08E-0FB3-4AA1-83A0-094D726300BE}" type="datetimeFigureOut">
               <a:rPr lang="pt-BR" smtClean="0"/>
-              <a:t>16/09/2020</a:t>
+              <a:t>18/09/2020</a:t>
             </a:fld>
             <a:endParaRPr lang="pt-BR"/>
           </a:p>
@@ -6102,7 +6102,7 @@
           <a:p>
             <a:fld id="{783FC08E-0FB3-4AA1-83A0-094D726300BE}" type="datetimeFigureOut">
               <a:rPr lang="pt-BR" smtClean="0"/>
-              <a:t>16/09/2020</a:t>
+              <a:t>18/09/2020</a:t>
             </a:fld>
             <a:endParaRPr lang="pt-BR"/>
           </a:p>
@@ -6822,7 +6822,7 @@
           <a:p>
             <a:fld id="{783FC08E-0FB3-4AA1-83A0-094D726300BE}" type="datetimeFigureOut">
               <a:rPr lang="pt-BR" smtClean="0"/>
-              <a:t>16/09/2020</a:t>
+              <a:t>18/09/2020</a:t>
             </a:fld>
             <a:endParaRPr lang="pt-BR"/>
           </a:p>
@@ -6992,7 +6992,7 @@
           <a:p>
             <a:fld id="{783FC08E-0FB3-4AA1-83A0-094D726300BE}" type="datetimeFigureOut">
               <a:rPr lang="pt-BR" smtClean="0"/>
-              <a:t>16/09/2020</a:t>
+              <a:t>18/09/2020</a:t>
             </a:fld>
             <a:endParaRPr lang="pt-BR"/>
           </a:p>
@@ -7172,7 +7172,7 @@
           <a:p>
             <a:fld id="{783FC08E-0FB3-4AA1-83A0-094D726300BE}" type="datetimeFigureOut">
               <a:rPr lang="pt-BR" smtClean="0"/>
-              <a:t>16/09/2020</a:t>
+              <a:t>18/09/2020</a:t>
             </a:fld>
             <a:endParaRPr lang="pt-BR"/>
           </a:p>
@@ -7342,7 +7342,7 @@
           <a:p>
             <a:fld id="{783FC08E-0FB3-4AA1-83A0-094D726300BE}" type="datetimeFigureOut">
               <a:rPr lang="pt-BR" smtClean="0"/>
-              <a:t>16/09/2020</a:t>
+              <a:t>18/09/2020</a:t>
             </a:fld>
             <a:endParaRPr lang="pt-BR"/>
           </a:p>
@@ -7592,7 +7592,7 @@
           <a:p>
             <a:fld id="{783FC08E-0FB3-4AA1-83A0-094D726300BE}" type="datetimeFigureOut">
               <a:rPr lang="pt-BR" smtClean="0"/>
-              <a:t>16/09/2020</a:t>
+              <a:t>18/09/2020</a:t>
             </a:fld>
             <a:endParaRPr lang="pt-BR"/>
           </a:p>
@@ -7824,7 +7824,7 @@
           <a:p>
             <a:fld id="{783FC08E-0FB3-4AA1-83A0-094D726300BE}" type="datetimeFigureOut">
               <a:rPr lang="pt-BR" smtClean="0"/>
-              <a:t>16/09/2020</a:t>
+              <a:t>18/09/2020</a:t>
             </a:fld>
             <a:endParaRPr lang="pt-BR"/>
           </a:p>
@@ -8205,7 +8205,7 @@
           <a:p>
             <a:fld id="{783FC08E-0FB3-4AA1-83A0-094D726300BE}" type="datetimeFigureOut">
               <a:rPr lang="pt-BR" smtClean="0"/>
-              <a:t>16/09/2020</a:t>
+              <a:t>18/09/2020</a:t>
             </a:fld>
             <a:endParaRPr lang="pt-BR"/>
           </a:p>
@@ -8323,7 +8323,7 @@
           <a:p>
             <a:fld id="{783FC08E-0FB3-4AA1-83A0-094D726300BE}" type="datetimeFigureOut">
               <a:rPr lang="pt-BR" smtClean="0"/>
-              <a:t>16/09/2020</a:t>
+              <a:t>18/09/2020</a:t>
             </a:fld>
             <a:endParaRPr lang="pt-BR"/>
           </a:p>
@@ -8418,7 +8418,7 @@
           <a:p>
             <a:fld id="{783FC08E-0FB3-4AA1-83A0-094D726300BE}" type="datetimeFigureOut">
               <a:rPr lang="pt-BR" smtClean="0"/>
-              <a:t>16/09/2020</a:t>
+              <a:t>18/09/2020</a:t>
             </a:fld>
             <a:endParaRPr lang="pt-BR"/>
           </a:p>
@@ -8667,7 +8667,7 @@
           <a:p>
             <a:fld id="{783FC08E-0FB3-4AA1-83A0-094D726300BE}" type="datetimeFigureOut">
               <a:rPr lang="pt-BR" smtClean="0"/>
-              <a:t>16/09/2020</a:t>
+              <a:t>18/09/2020</a:t>
             </a:fld>
             <a:endParaRPr lang="pt-BR"/>
           </a:p>
@@ -8947,7 +8947,7 @@
           <a:p>
             <a:fld id="{783FC08E-0FB3-4AA1-83A0-094D726300BE}" type="datetimeFigureOut">
               <a:rPr lang="pt-BR" smtClean="0"/>
-              <a:t>16/09/2020</a:t>
+              <a:t>18/09/2020</a:t>
             </a:fld>
             <a:endParaRPr lang="pt-BR"/>
           </a:p>
@@ -9063,7 +9063,7 @@
           <a:noFill/>
           <a:extLst>
             <a:ext uri="{909E8E84-426E-40dd-AFC4-6F175D3DCCD1}">
-              <a14:hiddenFill xmlns="" xmlns:a14="http://schemas.microsoft.com/office/drawing/2010/main">
+              <a14:hiddenFill xmlns:a14="http://schemas.microsoft.com/office/drawing/2010/main" xmlns="">
                 <a:solidFill>
                   <a:srgbClr val="FFFFFF"/>
                 </a:solidFill>
@@ -9137,7 +9137,7 @@
               </a:ln>
               <a:extLst>
                 <a:ext uri="{91240B29-F687-4f45-9708-019B960494DF}">
-                  <a14:hiddenLine xmlns="" xmlns:a14="http://schemas.microsoft.com/office/drawing/2010/main" w="9525">
+                  <a14:hiddenLine xmlns:a14="http://schemas.microsoft.com/office/drawing/2010/main" xmlns="" w="9525">
                     <a:solidFill>
                       <a:srgbClr val="000000"/>
                     </a:solidFill>
@@ -9227,7 +9227,7 @@
               </a:ln>
               <a:extLst>
                 <a:ext uri="{91240B29-F687-4f45-9708-019B960494DF}">
-                  <a14:hiddenLine xmlns="" xmlns:a14="http://schemas.microsoft.com/office/drawing/2010/main" w="9525">
+                  <a14:hiddenLine xmlns:a14="http://schemas.microsoft.com/office/drawing/2010/main" xmlns="" w="9525">
                     <a:solidFill>
                       <a:srgbClr val="000000"/>
                     </a:solidFill>
@@ -9317,7 +9317,7 @@
               </a:ln>
               <a:extLst>
                 <a:ext uri="{91240B29-F687-4f45-9708-019B960494DF}">
-                  <a14:hiddenLine xmlns="" xmlns:a14="http://schemas.microsoft.com/office/drawing/2010/main" w="9525">
+                  <a14:hiddenLine xmlns:a14="http://schemas.microsoft.com/office/drawing/2010/main" xmlns="" w="9525">
                     <a:solidFill>
                       <a:srgbClr val="000000"/>
                     </a:solidFill>
@@ -9379,7 +9379,7 @@
               </a:ln>
               <a:extLst>
                 <a:ext uri="{91240B29-F687-4f45-9708-019B960494DF}">
-                  <a14:hiddenLine xmlns="" xmlns:a14="http://schemas.microsoft.com/office/drawing/2010/main" w="9525">
+                  <a14:hiddenLine xmlns:a14="http://schemas.microsoft.com/office/drawing/2010/main" xmlns="" w="9525">
                     <a:solidFill>
                       <a:srgbClr val="000000"/>
                     </a:solidFill>
@@ -9469,7 +9469,7 @@
               </a:ln>
               <a:extLst>
                 <a:ext uri="{91240B29-F687-4f45-9708-019B960494DF}">
-                  <a14:hiddenLine xmlns="" xmlns:a14="http://schemas.microsoft.com/office/drawing/2010/main" w="9525">
+                  <a14:hiddenLine xmlns:a14="http://schemas.microsoft.com/office/drawing/2010/main" xmlns="" w="9525">
                     <a:solidFill>
                       <a:srgbClr val="000000"/>
                     </a:solidFill>
@@ -9531,7 +9531,7 @@
               </a:ln>
               <a:extLst>
                 <a:ext uri="{91240B29-F687-4f45-9708-019B960494DF}">
-                  <a14:hiddenLine xmlns="" xmlns:a14="http://schemas.microsoft.com/office/drawing/2010/main" w="9525">
+                  <a14:hiddenLine xmlns:a14="http://schemas.microsoft.com/office/drawing/2010/main" xmlns="" w="9525">
                     <a:solidFill>
                       <a:srgbClr val="000000"/>
                     </a:solidFill>
@@ -9593,7 +9593,7 @@
               </a:ln>
               <a:extLst>
                 <a:ext uri="{91240B29-F687-4f45-9708-019B960494DF}">
-                  <a14:hiddenLine xmlns="" xmlns:a14="http://schemas.microsoft.com/office/drawing/2010/main" w="9525">
+                  <a14:hiddenLine xmlns:a14="http://schemas.microsoft.com/office/drawing/2010/main" xmlns="" w="9525">
                     <a:solidFill>
                       <a:srgbClr val="000000"/>
                     </a:solidFill>
@@ -9683,7 +9683,7 @@
               </a:ln>
               <a:extLst>
                 <a:ext uri="{91240B29-F687-4f45-9708-019B960494DF}">
-                  <a14:hiddenLine xmlns="" xmlns:a14="http://schemas.microsoft.com/office/drawing/2010/main" w="9525">
+                  <a14:hiddenLine xmlns:a14="http://schemas.microsoft.com/office/drawing/2010/main" xmlns="" w="9525">
                     <a:solidFill>
                       <a:srgbClr val="000000"/>
                     </a:solidFill>
@@ -9773,7 +9773,7 @@
               </a:ln>
               <a:extLst>
                 <a:ext uri="{91240B29-F687-4f45-9708-019B960494DF}">
-                  <a14:hiddenLine xmlns="" xmlns:a14="http://schemas.microsoft.com/office/drawing/2010/main" w="9525">
+                  <a14:hiddenLine xmlns:a14="http://schemas.microsoft.com/office/drawing/2010/main" xmlns="" w="9525">
                     <a:solidFill>
                       <a:srgbClr val="000000"/>
                     </a:solidFill>
@@ -9835,7 +9835,7 @@
               </a:ln>
               <a:extLst>
                 <a:ext uri="{91240B29-F687-4f45-9708-019B960494DF}">
-                  <a14:hiddenLine xmlns="" xmlns:a14="http://schemas.microsoft.com/office/drawing/2010/main" w="9525">
+                  <a14:hiddenLine xmlns:a14="http://schemas.microsoft.com/office/drawing/2010/main" xmlns="" w="9525">
                     <a:solidFill>
                       <a:srgbClr val="000000"/>
                     </a:solidFill>
@@ -9945,7 +9945,7 @@
               </a:ln>
               <a:extLst>
                 <a:ext uri="{91240B29-F687-4f45-9708-019B960494DF}">
-                  <a14:hiddenLine xmlns="" xmlns:a14="http://schemas.microsoft.com/office/drawing/2010/main" w="9525">
+                  <a14:hiddenLine xmlns:a14="http://schemas.microsoft.com/office/drawing/2010/main" xmlns="" w="9525">
                     <a:solidFill>
                       <a:srgbClr val="000000"/>
                     </a:solidFill>
@@ -10029,7 +10029,7 @@
               </a:ln>
               <a:extLst>
                 <a:ext uri="{91240B29-F687-4f45-9708-019B960494DF}">
-                  <a14:hiddenLine xmlns="" xmlns:a14="http://schemas.microsoft.com/office/drawing/2010/main" w="9525">
+                  <a14:hiddenLine xmlns:a14="http://schemas.microsoft.com/office/drawing/2010/main" xmlns="" w="9525">
                     <a:solidFill>
                       <a:srgbClr val="000000"/>
                     </a:solidFill>
@@ -10091,7 +10091,7 @@
               </a:ln>
               <a:extLst>
                 <a:ext uri="{91240B29-F687-4f45-9708-019B960494DF}">
-                  <a14:hiddenLine xmlns="" xmlns:a14="http://schemas.microsoft.com/office/drawing/2010/main" w="9525">
+                  <a14:hiddenLine xmlns:a14="http://schemas.microsoft.com/office/drawing/2010/main" xmlns="" w="9525">
                     <a:solidFill>
                       <a:srgbClr val="000000"/>
                     </a:solidFill>
@@ -10153,7 +10153,7 @@
               </a:ln>
               <a:extLst>
                 <a:ext uri="{91240B29-F687-4f45-9708-019B960494DF}">
-                  <a14:hiddenLine xmlns="" xmlns:a14="http://schemas.microsoft.com/office/drawing/2010/main" w="9525">
+                  <a14:hiddenLine xmlns:a14="http://schemas.microsoft.com/office/drawing/2010/main" xmlns="" w="9525">
                     <a:solidFill>
                       <a:srgbClr val="000000"/>
                     </a:solidFill>
@@ -10243,7 +10243,7 @@
               </a:ln>
               <a:extLst>
                 <a:ext uri="{91240B29-F687-4f45-9708-019B960494DF}">
-                  <a14:hiddenLine xmlns="" xmlns:a14="http://schemas.microsoft.com/office/drawing/2010/main" w="9525">
+                  <a14:hiddenLine xmlns:a14="http://schemas.microsoft.com/office/drawing/2010/main" xmlns="" w="9525">
                     <a:solidFill>
                       <a:srgbClr val="000000"/>
                     </a:solidFill>
@@ -10277,7 +10277,7 @@
               </a:ln>
               <a:extLst>
                 <a:ext uri="{91240B29-F687-4f45-9708-019B960494DF}">
-                  <a14:hiddenLine xmlns="" xmlns:a14="http://schemas.microsoft.com/office/drawing/2010/main" w="9525">
+                  <a14:hiddenLine xmlns:a14="http://schemas.microsoft.com/office/drawing/2010/main" xmlns="" w="9525">
                     <a:solidFill>
                       <a:srgbClr val="000000"/>
                     </a:solidFill>
@@ -10342,7 +10342,7 @@
               </a:ln>
               <a:extLst>
                 <a:ext uri="{91240B29-F687-4f45-9708-019B960494DF}">
-                  <a14:hiddenLine xmlns="" xmlns:a14="http://schemas.microsoft.com/office/drawing/2010/main" w="9525">
+                  <a14:hiddenLine xmlns:a14="http://schemas.microsoft.com/office/drawing/2010/main" xmlns="" w="9525">
                     <a:solidFill>
                       <a:srgbClr val="000000"/>
                     </a:solidFill>
@@ -10432,7 +10432,7 @@
               </a:ln>
               <a:extLst>
                 <a:ext uri="{91240B29-F687-4f45-9708-019B960494DF}">
-                  <a14:hiddenLine xmlns="" xmlns:a14="http://schemas.microsoft.com/office/drawing/2010/main" w="9525">
+                  <a14:hiddenLine xmlns:a14="http://schemas.microsoft.com/office/drawing/2010/main" xmlns="" w="9525">
                     <a:solidFill>
                       <a:srgbClr val="000000"/>
                     </a:solidFill>
@@ -10494,7 +10494,7 @@
               </a:ln>
               <a:extLst>
                 <a:ext uri="{91240B29-F687-4f45-9708-019B960494DF}">
-                  <a14:hiddenLine xmlns="" xmlns:a14="http://schemas.microsoft.com/office/drawing/2010/main" w="9525">
+                  <a14:hiddenLine xmlns:a14="http://schemas.microsoft.com/office/drawing/2010/main" xmlns="" w="9525">
                     <a:solidFill>
                       <a:srgbClr val="000000"/>
                     </a:solidFill>
@@ -10584,7 +10584,7 @@
               </a:ln>
               <a:extLst>
                 <a:ext uri="{91240B29-F687-4f45-9708-019B960494DF}">
-                  <a14:hiddenLine xmlns="" xmlns:a14="http://schemas.microsoft.com/office/drawing/2010/main" w="9525">
+                  <a14:hiddenLine xmlns:a14="http://schemas.microsoft.com/office/drawing/2010/main" xmlns="" w="9525">
                     <a:solidFill>
                       <a:srgbClr val="000000"/>
                     </a:solidFill>
@@ -10649,7 +10649,7 @@
               </a:ln>
               <a:extLst>
                 <a:ext uri="{91240B29-F687-4f45-9708-019B960494DF}">
-                  <a14:hiddenLine xmlns="" xmlns:a14="http://schemas.microsoft.com/office/drawing/2010/main" w="9525">
+                  <a14:hiddenLine xmlns:a14="http://schemas.microsoft.com/office/drawing/2010/main" xmlns="" w="9525">
                     <a:solidFill>
                       <a:srgbClr val="000000"/>
                     </a:solidFill>
@@ -10711,7 +10711,7 @@
               </a:ln>
               <a:extLst>
                 <a:ext uri="{91240B29-F687-4f45-9708-019B960494DF}">
-                  <a14:hiddenLine xmlns="" xmlns:a14="http://schemas.microsoft.com/office/drawing/2010/main" w="9525">
+                  <a14:hiddenLine xmlns:a14="http://schemas.microsoft.com/office/drawing/2010/main" xmlns="" w="9525">
                     <a:solidFill>
                       <a:srgbClr val="000000"/>
                     </a:solidFill>
@@ -10801,7 +10801,7 @@
               </a:ln>
               <a:extLst>
                 <a:ext uri="{91240B29-F687-4f45-9708-019B960494DF}">
-                  <a14:hiddenLine xmlns="" xmlns:a14="http://schemas.microsoft.com/office/drawing/2010/main" w="9525">
+                  <a14:hiddenLine xmlns:a14="http://schemas.microsoft.com/office/drawing/2010/main" xmlns="" w="9525">
                     <a:solidFill>
                       <a:srgbClr val="000000"/>
                     </a:solidFill>
@@ -10891,7 +10891,7 @@
               </a:ln>
               <a:extLst>
                 <a:ext uri="{91240B29-F687-4f45-9708-019B960494DF}">
-                  <a14:hiddenLine xmlns="" xmlns:a14="http://schemas.microsoft.com/office/drawing/2010/main" w="9525">
+                  <a14:hiddenLine xmlns:a14="http://schemas.microsoft.com/office/drawing/2010/main" xmlns="" w="9525">
                     <a:solidFill>
                       <a:srgbClr val="000000"/>
                     </a:solidFill>
@@ -10956,7 +10956,7 @@
               </a:ln>
               <a:extLst>
                 <a:ext uri="{91240B29-F687-4f45-9708-019B960494DF}">
-                  <a14:hiddenLine xmlns="" xmlns:a14="http://schemas.microsoft.com/office/drawing/2010/main" w="9525">
+                  <a14:hiddenLine xmlns:a14="http://schemas.microsoft.com/office/drawing/2010/main" xmlns="" w="9525">
                     <a:solidFill>
                       <a:srgbClr val="000000"/>
                     </a:solidFill>
@@ -11076,7 +11076,7 @@
               </a:ln>
               <a:extLst>
                 <a:ext uri="{91240B29-F687-4f45-9708-019B960494DF}">
-                  <a14:hiddenLine xmlns="" xmlns:a14="http://schemas.microsoft.com/office/drawing/2010/main" w="9525">
+                  <a14:hiddenLine xmlns:a14="http://schemas.microsoft.com/office/drawing/2010/main" xmlns="" w="9525">
                     <a:solidFill>
                       <a:srgbClr val="000000"/>
                     </a:solidFill>
@@ -11174,7 +11174,7 @@
               </a:ln>
               <a:extLst>
                 <a:ext uri="{91240B29-F687-4f45-9708-019B960494DF}">
-                  <a14:hiddenLine xmlns="" xmlns:a14="http://schemas.microsoft.com/office/drawing/2010/main" w="9525">
+                  <a14:hiddenLine xmlns:a14="http://schemas.microsoft.com/office/drawing/2010/main" xmlns="" w="9525">
                     <a:solidFill>
                       <a:srgbClr val="000000"/>
                     </a:solidFill>
@@ -11289,7 +11289,7 @@
               </a:ln>
               <a:extLst>
                 <a:ext uri="{91240B29-F687-4f45-9708-019B960494DF}">
-                  <a14:hiddenLine xmlns="" xmlns:a14="http://schemas.microsoft.com/office/drawing/2010/main" w="9525">
+                  <a14:hiddenLine xmlns:a14="http://schemas.microsoft.com/office/drawing/2010/main" xmlns="" w="9525">
                     <a:solidFill>
                       <a:srgbClr val="000000"/>
                     </a:solidFill>
@@ -11379,7 +11379,7 @@
               </a:ln>
               <a:extLst>
                 <a:ext uri="{91240B29-F687-4f45-9708-019B960494DF}">
-                  <a14:hiddenLine xmlns="" xmlns:a14="http://schemas.microsoft.com/office/drawing/2010/main" w="9525">
+                  <a14:hiddenLine xmlns:a14="http://schemas.microsoft.com/office/drawing/2010/main" xmlns="" w="9525">
                     <a:solidFill>
                       <a:srgbClr val="000000"/>
                     </a:solidFill>
@@ -11444,7 +11444,7 @@
               </a:ln>
               <a:extLst>
                 <a:ext uri="{91240B29-F687-4f45-9708-019B960494DF}">
-                  <a14:hiddenLine xmlns="" xmlns:a14="http://schemas.microsoft.com/office/drawing/2010/main" w="9525">
+                  <a14:hiddenLine xmlns:a14="http://schemas.microsoft.com/office/drawing/2010/main" xmlns="" w="9525">
                     <a:solidFill>
                       <a:srgbClr val="000000"/>
                     </a:solidFill>
@@ -11534,7 +11534,7 @@
               </a:ln>
               <a:extLst>
                 <a:ext uri="{91240B29-F687-4f45-9708-019B960494DF}">
-                  <a14:hiddenLine xmlns="" xmlns:a14="http://schemas.microsoft.com/office/drawing/2010/main" w="9525">
+                  <a14:hiddenLine xmlns:a14="http://schemas.microsoft.com/office/drawing/2010/main" xmlns="" w="9525">
                     <a:solidFill>
                       <a:srgbClr val="000000"/>
                     </a:solidFill>
@@ -11602,7 +11602,7 @@
               </a:ln>
               <a:extLst>
                 <a:ext uri="{91240B29-F687-4f45-9708-019B960494DF}">
-                  <a14:hiddenLine xmlns="" xmlns:a14="http://schemas.microsoft.com/office/drawing/2010/main" w="9525">
+                  <a14:hiddenLine xmlns:a14="http://schemas.microsoft.com/office/drawing/2010/main" xmlns="" w="9525">
                     <a:solidFill>
                       <a:srgbClr val="000000"/>
                     </a:solidFill>
@@ -11692,7 +11692,7 @@
               </a:ln>
               <a:extLst>
                 <a:ext uri="{91240B29-F687-4f45-9708-019B960494DF}">
-                  <a14:hiddenLine xmlns="" xmlns:a14="http://schemas.microsoft.com/office/drawing/2010/main" w="9525">
+                  <a14:hiddenLine xmlns:a14="http://schemas.microsoft.com/office/drawing/2010/main" xmlns="" w="9525">
                     <a:solidFill>
                       <a:srgbClr val="000000"/>
                     </a:solidFill>
@@ -11760,7 +11760,7 @@
               </a:ln>
               <a:extLst>
                 <a:ext uri="{91240B29-F687-4f45-9708-019B960494DF}">
-                  <a14:hiddenLine xmlns="" xmlns:a14="http://schemas.microsoft.com/office/drawing/2010/main" w="9525">
+                  <a14:hiddenLine xmlns:a14="http://schemas.microsoft.com/office/drawing/2010/main" xmlns="" w="9525">
                     <a:solidFill>
                       <a:srgbClr val="000000"/>
                     </a:solidFill>
@@ -11850,7 +11850,7 @@
               </a:ln>
               <a:extLst>
                 <a:ext uri="{91240B29-F687-4f45-9708-019B960494DF}">
-                  <a14:hiddenLine xmlns="" xmlns:a14="http://schemas.microsoft.com/office/drawing/2010/main" w="9525">
+                  <a14:hiddenLine xmlns:a14="http://schemas.microsoft.com/office/drawing/2010/main" xmlns="" w="9525">
                     <a:solidFill>
                       <a:srgbClr val="000000"/>
                     </a:solidFill>
@@ -11884,7 +11884,7 @@
               </a:ln>
               <a:extLst>
                 <a:ext uri="{91240B29-F687-4f45-9708-019B960494DF}">
-                  <a14:hiddenLine xmlns="" xmlns:a14="http://schemas.microsoft.com/office/drawing/2010/main" w="9525">
+                  <a14:hiddenLine xmlns:a14="http://schemas.microsoft.com/office/drawing/2010/main" xmlns="" w="9525">
                     <a:solidFill>
                       <a:srgbClr val="000000"/>
                     </a:solidFill>
@@ -12024,7 +12024,7 @@
           <a:p>
             <a:fld id="{783FC08E-0FB3-4AA1-83A0-094D726300BE}" type="datetimeFigureOut">
               <a:rPr lang="pt-BR" smtClean="0"/>
-              <a:t>16/09/2020</a:t>
+              <a:t>18/09/2020</a:t>
             </a:fld>
             <a:endParaRPr lang="pt-BR"/>
           </a:p>
@@ -12636,10 +12636,6 @@
               </a:rPr>
               <a:t>Perda de informações</a:t>
             </a:r>
-            <a:endParaRPr lang="pt-BR" sz="2800" dirty="0" smtClean="0">
-              <a:latin typeface="Arial" panose="020B0604020202020204" pitchFamily="34" charset="0"/>
-              <a:cs typeface="Arial" panose="020B0604020202020204" pitchFamily="34" charset="0"/>
-            </a:endParaRPr>
           </a:p>
           <a:p>
             <a:pPr marL="457200" indent="-457200">
@@ -12680,28 +12676,7 @@
                 <a:latin typeface="Arial" panose="020B0604020202020204" pitchFamily="34" charset="0"/>
                 <a:cs typeface="Arial" panose="020B0604020202020204" pitchFamily="34" charset="0"/>
               </a:rPr>
-              <a:t>Esse mercado vem crescendo muito em torno dos anos, juntamente com a tecnologia, hoje em dia quase todos os </a:t>
-            </a:r>
-            <a:r>
-              <a:rPr lang="pt-BR" sz="2800" dirty="0" smtClean="0">
-                <a:latin typeface="Arial" panose="020B0604020202020204" pitchFamily="34" charset="0"/>
-                <a:cs typeface="Arial" panose="020B0604020202020204" pitchFamily="34" charset="0"/>
-              </a:rPr>
-              <a:t>comércios</a:t>
-            </a:r>
-            <a:r>
-              <a:rPr lang="pt-BR" sz="2800" dirty="0" smtClean="0">
-                <a:latin typeface="Arial" panose="020B0604020202020204" pitchFamily="34" charset="0"/>
-                <a:cs typeface="Arial" panose="020B0604020202020204" pitchFamily="34" charset="0"/>
-              </a:rPr>
-              <a:t> </a:t>
-            </a:r>
-            <a:r>
-              <a:rPr lang="pt-BR" sz="2800" dirty="0" smtClean="0">
-                <a:latin typeface="Arial" panose="020B0604020202020204" pitchFamily="34" charset="0"/>
-                <a:cs typeface="Arial" panose="020B0604020202020204" pitchFamily="34" charset="0"/>
-              </a:rPr>
-              <a:t>tem tecnologia para auxiliar.</a:t>
+              <a:t>Esse mercado vem crescendo muito em torno dos anos, juntamente com a tecnologia, hoje em dia quase todos os comércios tem tecnologia para auxiliar.</a:t>
             </a:r>
             <a:endParaRPr lang="pt-BR" sz="2800" dirty="0">
               <a:latin typeface="Arial" panose="020B0604020202020204" pitchFamily="34" charset="0"/>
@@ -12827,14 +12802,14 @@
       </p:grpSpPr>
       <p:sp>
         <p:nvSpPr>
-          <p:cNvPr id="5" name="Retângulo de cantos arredondados 4"/>
+          <p:cNvPr id="12" name="Retângulo de cantos arredondados 11"/>
           <p:cNvSpPr/>
           <p:nvPr/>
         </p:nvSpPr>
         <p:spPr>
           <a:xfrm>
-            <a:off x="2613991" y="2286000"/>
-            <a:ext cx="7255566" cy="1242392"/>
+            <a:off x="4552123" y="477696"/>
+            <a:ext cx="3438940" cy="840318"/>
           </a:xfrm>
           <a:prstGeom prst="roundRect">
             <a:avLst/>
@@ -12873,121 +12848,6 @@
           </a:p>
         </p:txBody>
       </p:sp>
-      <p:sp>
-        <p:nvSpPr>
-          <p:cNvPr id="4" name="CaixaDeTexto 3"/>
-          <p:cNvSpPr txBox="1"/>
-          <p:nvPr/>
-        </p:nvSpPr>
-        <p:spPr>
-          <a:xfrm>
-            <a:off x="2862469" y="2305878"/>
-            <a:ext cx="6718852" cy="1107996"/>
-          </a:xfrm>
-          <a:prstGeom prst="rect">
-            <a:avLst/>
-          </a:prstGeom>
-          <a:noFill/>
-        </p:spPr>
-        <p:txBody>
-          <a:bodyPr wrap="square" rtlCol="0">
-            <a:spAutoFit/>
-          </a:bodyPr>
-          <a:lstStyle/>
-          <a:p>
-            <a:r>
-              <a:rPr lang="pt-BR" sz="6600" dirty="0" smtClean="0"/>
-              <a:t>Solução de negócio</a:t>
-            </a:r>
-            <a:endParaRPr lang="pt-BR" sz="6600" dirty="0"/>
-          </a:p>
-        </p:txBody>
-      </p:sp>
-    </p:spTree>
-    <p:extLst>
-      <p:ext uri="{BB962C8B-B14F-4D97-AF65-F5344CB8AC3E}">
-        <p14:creationId xmlns:p14="http://schemas.microsoft.com/office/powerpoint/2010/main" val="2633481473"/>
-      </p:ext>
-    </p:extLst>
-  </p:cSld>
-  <p:clrMapOvr>
-    <a:masterClrMapping/>
-  </p:clrMapOvr>
-  <p:timing>
-    <p:tnLst>
-      <p:par>
-        <p:cTn id="1" dur="indefinite" restart="never" nodeType="tmRoot"/>
-      </p:par>
-    </p:tnLst>
-  </p:timing>
-</p:sld>
-</file>
-
-<file path=ppt/slides/slide4.xml><?xml version="1.0" encoding="utf-8"?>
-<p:sld xmlns:a="http://schemas.openxmlformats.org/drawingml/2006/main" xmlns:r="http://schemas.openxmlformats.org/officeDocument/2006/relationships" xmlns:p="http://schemas.openxmlformats.org/presentationml/2006/main">
-  <p:cSld>
-    <p:spTree>
-      <p:nvGrpSpPr>
-        <p:cNvPr id="1" name=""/>
-        <p:cNvGrpSpPr/>
-        <p:nvPr/>
-      </p:nvGrpSpPr>
-      <p:grpSpPr>
-        <a:xfrm>
-          <a:off x="0" y="0"/>
-          <a:ext cx="0" cy="0"/>
-          <a:chOff x="0" y="0"/>
-          <a:chExt cx="0" cy="0"/>
-        </a:xfrm>
-      </p:grpSpPr>
-      <p:sp>
-        <p:nvSpPr>
-          <p:cNvPr id="12" name="Retângulo de cantos arredondados 11"/>
-          <p:cNvSpPr/>
-          <p:nvPr/>
-        </p:nvSpPr>
-        <p:spPr>
-          <a:xfrm>
-            <a:off x="3488635" y="228601"/>
-            <a:ext cx="4572000" cy="1242392"/>
-          </a:xfrm>
-          <a:prstGeom prst="roundRect">
-            <a:avLst/>
-          </a:prstGeom>
-          <a:solidFill>
-            <a:schemeClr val="tx1">
-              <a:lumMod val="65000"/>
-            </a:schemeClr>
-          </a:solidFill>
-          <a:ln>
-            <a:noFill/>
-          </a:ln>
-        </p:spPr>
-        <p:style>
-          <a:lnRef idx="2">
-            <a:schemeClr val="accent1">
-              <a:shade val="50000"/>
-            </a:schemeClr>
-          </a:lnRef>
-          <a:fillRef idx="1">
-            <a:schemeClr val="accent1"/>
-          </a:fillRef>
-          <a:effectRef idx="0">
-            <a:schemeClr val="accent1"/>
-          </a:effectRef>
-          <a:fontRef idx="minor">
-            <a:schemeClr val="lt1"/>
-          </a:fontRef>
-        </p:style>
-        <p:txBody>
-          <a:bodyPr rtlCol="0" anchor="ctr"/>
-          <a:lstStyle/>
-          <a:p>
-            <a:pPr algn="ctr"/>
-            <a:endParaRPr lang="pt-BR"/>
-          </a:p>
-        </p:txBody>
-      </p:sp>
       <p:pic>
         <p:nvPicPr>
           <p:cNvPr id="4" name="Imagem 3"/>
@@ -13004,7 +12864,7 @@
         </p:blipFill>
         <p:spPr>
           <a:xfrm>
-            <a:off x="3679135" y="1836047"/>
+            <a:off x="3814970" y="1826109"/>
             <a:ext cx="4953000" cy="4219575"/>
           </a:xfrm>
           <a:prstGeom prst="rect">
@@ -13020,8 +12880,8 @@
         </p:nvSpPr>
         <p:spPr>
           <a:xfrm>
-            <a:off x="3679135" y="258418"/>
-            <a:ext cx="5461551" cy="1107996"/>
+            <a:off x="4742623" y="487017"/>
+            <a:ext cx="3139108" cy="830997"/>
           </a:xfrm>
           <a:prstGeom prst="rect">
             <a:avLst/>
@@ -13035,27 +12895,27 @@
           <a:lstStyle/>
           <a:p>
             <a:r>
-              <a:rPr lang="pt-BR" sz="6600" dirty="0" err="1" smtClean="0">
+              <a:rPr lang="pt-BR" sz="4800" dirty="0" err="1" smtClean="0">
                 <a:latin typeface="Arial" panose="020B0604020202020204" pitchFamily="34" charset="0"/>
                 <a:cs typeface="Arial" panose="020B0604020202020204" pitchFamily="34" charset="0"/>
               </a:rPr>
               <a:t>User</a:t>
             </a:r>
             <a:r>
-              <a:rPr lang="pt-BR" sz="6600" dirty="0" smtClean="0">
+              <a:rPr lang="pt-BR" sz="4800" dirty="0" smtClean="0">
                 <a:latin typeface="Arial" panose="020B0604020202020204" pitchFamily="34" charset="0"/>
                 <a:cs typeface="Arial" panose="020B0604020202020204" pitchFamily="34" charset="0"/>
               </a:rPr>
               <a:t> </a:t>
             </a:r>
             <a:r>
-              <a:rPr lang="pt-BR" sz="6600" dirty="0" err="1" smtClean="0">
+              <a:rPr lang="pt-BR" sz="4800" dirty="0" err="1" smtClean="0">
                 <a:latin typeface="Arial" panose="020B0604020202020204" pitchFamily="34" charset="0"/>
                 <a:cs typeface="Arial" panose="020B0604020202020204" pitchFamily="34" charset="0"/>
               </a:rPr>
               <a:t>Story</a:t>
             </a:r>
-            <a:endParaRPr lang="pt-BR" sz="6600" dirty="0">
+            <a:endParaRPr lang="pt-BR" sz="4800" dirty="0">
               <a:latin typeface="Arial" panose="020B0604020202020204" pitchFamily="34" charset="0"/>
               <a:cs typeface="Arial" panose="020B0604020202020204" pitchFamily="34" charset="0"/>
             </a:endParaRPr>
@@ -13082,7 +12942,7 @@
 </p:sld>
 </file>
 
-<file path=ppt/slides/slide5.xml><?xml version="1.0" encoding="utf-8"?>
+<file path=ppt/slides/slide4.xml><?xml version="1.0" encoding="utf-8"?>
 <p:sld xmlns:a="http://schemas.openxmlformats.org/drawingml/2006/main" xmlns:r="http://schemas.openxmlformats.org/officeDocument/2006/relationships" xmlns:p="http://schemas.openxmlformats.org/presentationml/2006/main">
   <p:cSld>
     <p:spTree>
@@ -13133,6 +12993,121 @@
     <p:extLst>
       <p:ext uri="{BB962C8B-B14F-4D97-AF65-F5344CB8AC3E}">
         <p14:creationId xmlns:p14="http://schemas.microsoft.com/office/powerpoint/2010/main" val="1384992844"/>
+      </p:ext>
+    </p:extLst>
+  </p:cSld>
+  <p:clrMapOvr>
+    <a:masterClrMapping/>
+  </p:clrMapOvr>
+  <p:timing>
+    <p:tnLst>
+      <p:par>
+        <p:cTn id="1" dur="indefinite" restart="never" nodeType="tmRoot"/>
+      </p:par>
+    </p:tnLst>
+  </p:timing>
+</p:sld>
+</file>
+
+<file path=ppt/slides/slide5.xml><?xml version="1.0" encoding="utf-8"?>
+<p:sld xmlns:a="http://schemas.openxmlformats.org/drawingml/2006/main" xmlns:r="http://schemas.openxmlformats.org/officeDocument/2006/relationships" xmlns:p="http://schemas.openxmlformats.org/presentationml/2006/main">
+  <p:cSld>
+    <p:spTree>
+      <p:nvGrpSpPr>
+        <p:cNvPr id="1" name=""/>
+        <p:cNvGrpSpPr/>
+        <p:nvPr/>
+      </p:nvGrpSpPr>
+      <p:grpSpPr>
+        <a:xfrm>
+          <a:off x="0" y="0"/>
+          <a:ext cx="0" cy="0"/>
+          <a:chOff x="0" y="0"/>
+          <a:chExt cx="0" cy="0"/>
+        </a:xfrm>
+      </p:grpSpPr>
+      <p:sp>
+        <p:nvSpPr>
+          <p:cNvPr id="5" name="Retângulo de cantos arredondados 4"/>
+          <p:cNvSpPr/>
+          <p:nvPr/>
+        </p:nvSpPr>
+        <p:spPr>
+          <a:xfrm>
+            <a:off x="2613991" y="2286000"/>
+            <a:ext cx="7255566" cy="1242392"/>
+          </a:xfrm>
+          <a:prstGeom prst="roundRect">
+            <a:avLst/>
+          </a:prstGeom>
+          <a:solidFill>
+            <a:schemeClr val="tx1">
+              <a:lumMod val="65000"/>
+            </a:schemeClr>
+          </a:solidFill>
+          <a:ln>
+            <a:noFill/>
+          </a:ln>
+        </p:spPr>
+        <p:style>
+          <a:lnRef idx="2">
+            <a:schemeClr val="accent1">
+              <a:shade val="50000"/>
+            </a:schemeClr>
+          </a:lnRef>
+          <a:fillRef idx="1">
+            <a:schemeClr val="accent1"/>
+          </a:fillRef>
+          <a:effectRef idx="0">
+            <a:schemeClr val="accent1"/>
+          </a:effectRef>
+          <a:fontRef idx="minor">
+            <a:schemeClr val="lt1"/>
+          </a:fontRef>
+        </p:style>
+        <p:txBody>
+          <a:bodyPr rtlCol="0" anchor="ctr"/>
+          <a:lstStyle/>
+          <a:p>
+            <a:pPr algn="ctr"/>
+            <a:endParaRPr lang="pt-BR"/>
+          </a:p>
+        </p:txBody>
+      </p:sp>
+      <p:sp>
+        <p:nvSpPr>
+          <p:cNvPr id="4" name="CaixaDeTexto 3"/>
+          <p:cNvSpPr txBox="1"/>
+          <p:nvPr/>
+        </p:nvSpPr>
+        <p:spPr>
+          <a:xfrm>
+            <a:off x="2862469" y="2305878"/>
+            <a:ext cx="6718852" cy="1107996"/>
+          </a:xfrm>
+          <a:prstGeom prst="rect">
+            <a:avLst/>
+          </a:prstGeom>
+          <a:noFill/>
+        </p:spPr>
+        <p:txBody>
+          <a:bodyPr wrap="square" rtlCol="0">
+            <a:spAutoFit/>
+          </a:bodyPr>
+          <a:lstStyle/>
+          <a:p>
+            <a:r>
+              <a:rPr lang="pt-BR" sz="6600" dirty="0" smtClean="0"/>
+              <a:t>Solução de negócio</a:t>
+            </a:r>
+            <a:endParaRPr lang="pt-BR" sz="6600" dirty="0"/>
+          </a:p>
+        </p:txBody>
+      </p:sp>
+    </p:spTree>
+    <p:extLst>
+      <p:ext uri="{BB962C8B-B14F-4D97-AF65-F5344CB8AC3E}">
+        <p14:creationId xmlns:p14="http://schemas.microsoft.com/office/powerpoint/2010/main" val="2633481473"/>
       </p:ext>
     </p:extLst>
   </p:cSld>
@@ -13200,6 +13175,13 @@
   <p:clrMapOvr>
     <a:masterClrMapping/>
   </p:clrMapOvr>
+  <p:timing>
+    <p:tnLst>
+      <p:par>
+        <p:cTn id="1" dur="indefinite" restart="never" nodeType="tmRoot"/>
+      </p:par>
+    </p:tnLst>
+  </p:timing>
 </p:sld>
 </file>
 
@@ -13222,7 +13204,7 @@
       </p:grpSpPr>
       <p:pic>
         <p:nvPicPr>
-          <p:cNvPr id="4" name="Imagem 3"/>
+          <p:cNvPr id="2" name="Imagem 1"/>
           <p:cNvPicPr>
             <a:picLocks noChangeAspect="1"/>
           </p:cNvPicPr>
@@ -13236,8 +13218,8 @@
         </p:blipFill>
         <p:spPr>
           <a:xfrm>
-            <a:off x="0" y="0"/>
-            <a:ext cx="12192000" cy="6858000"/>
+            <a:off x="0" y="-50464"/>
+            <a:ext cx="12192000" cy="6908464"/>
           </a:xfrm>
           <a:prstGeom prst="rect">
             <a:avLst/>
@@ -13254,6 +13236,13 @@
   <p:clrMapOvr>
     <a:masterClrMapping/>
   </p:clrMapOvr>
+  <p:timing>
+    <p:tnLst>
+      <p:par>
+        <p:cTn id="1" dur="indefinite" restart="never" nodeType="tmRoot"/>
+      </p:par>
+    </p:tnLst>
+  </p:timing>
 </p:sld>
 </file>
 
@@ -13282,8 +13271,8 @@
         </p:nvSpPr>
         <p:spPr>
           <a:xfrm>
-            <a:off x="4373217" y="487019"/>
-            <a:ext cx="3409122" cy="1242392"/>
+            <a:off x="4492487" y="487019"/>
+            <a:ext cx="2683566" cy="900570"/>
           </a:xfrm>
           <a:prstGeom prst="roundRect">
             <a:avLst/>
@@ -13354,8 +13343,8 @@
         </p:nvSpPr>
         <p:spPr>
           <a:xfrm>
-            <a:off x="4623353" y="556592"/>
-            <a:ext cx="3785152" cy="1015663"/>
+            <a:off x="4663110" y="521805"/>
+            <a:ext cx="2632212" cy="830997"/>
           </a:xfrm>
           <a:prstGeom prst="rect">
             <a:avLst/>
@@ -13369,7 +13358,7 @@
           <a:lstStyle/>
           <a:p>
             <a:r>
-              <a:rPr lang="pt-BR" sz="6000" dirty="0" err="1" smtClean="0">
+              <a:rPr lang="pt-BR" sz="4800" dirty="0" err="1" smtClean="0">
                 <a:latin typeface="Arial" panose="020B0604020202020204" pitchFamily="34" charset="0"/>
                 <a:cs typeface="Arial" panose="020B0604020202020204" pitchFamily="34" charset="0"/>
               </a:rPr>
@@ -13453,6 +13442,13 @@
   <p:clrMapOvr>
     <a:masterClrMapping/>
   </p:clrMapOvr>
+  <p:timing>
+    <p:tnLst>
+      <p:par>
+        <p:cTn id="1" dur="indefinite" restart="never" nodeType="tmRoot"/>
+      </p:par>
+    </p:tnLst>
+  </p:timing>
 </p:sld>
 </file>
 
